--- a/DevSecOpsPipeline.pptx
+++ b/DevSecOpsPipeline.pptx
@@ -5947,18 +5947,18 @@
           </a:bodyPr>
           <a:lstStyle/>
           <a:p>
-            <a:pPr marL="0" lvl="0" indent="0" algn="ctr" rtl="0">
-              <a:spcBef>
-                <a:spcPts val="0"/>
-              </a:spcBef>
-              <a:spcAft>
-                <a:spcPts val="0"/>
-              </a:spcAft>
-              <a:buNone/>
-            </a:pPr>
+            <a:pPr lvl="0" algn="ctr"/>
             <a:r>
               <a:rPr lang="en" sz="1000" dirty="0"/>
-              <a:t>Infrastructure code compliance scan</a:t>
+              <a:t>Infrastructure code compliance scan (</a:t>
+            </a:r>
+            <a:r>
+              <a:rPr lang="en-US" sz="1000" dirty="0" err="1"/>
+              <a:t>CloudSploit</a:t>
+            </a:r>
+            <a:r>
+              <a:rPr lang="en" sz="1000" dirty="0"/>
+              <a:t>)</a:t>
             </a:r>
             <a:endParaRPr sz="1000" dirty="0"/>
           </a:p>
@@ -5997,18 +5997,22 @@
           </a:bodyPr>
           <a:lstStyle/>
           <a:p>
-            <a:pPr marL="0" lvl="0" indent="0" algn="ctr" rtl="0">
-              <a:spcBef>
-                <a:spcPts val="0"/>
-              </a:spcBef>
-              <a:spcAft>
-                <a:spcPts val="0"/>
-              </a:spcAft>
-              <a:buNone/>
-            </a:pPr>
+            <a:pPr lvl="0" algn="ctr"/>
             <a:r>
               <a:rPr lang="en" sz="1000" dirty="0"/>
-              <a:t>AMI or Container image scan</a:t>
+              <a:t>AMI or Container image scan (</a:t>
+            </a:r>
+            <a:r>
+              <a:rPr lang="en-US" sz="1000" dirty="0" err="1"/>
+              <a:t>Anchore</a:t>
+            </a:r>
+            <a:r>
+              <a:rPr lang="en-US" sz="1000" dirty="0"/>
+              <a:t> Engine</a:t>
+            </a:r>
+            <a:r>
+              <a:rPr lang="en" sz="1000" dirty="0"/>
+              <a:t>)</a:t>
             </a:r>
           </a:p>
         </p:txBody>
@@ -6058,6 +6062,21 @@
             <a:r>
               <a:rPr lang="en-US" sz="1000" dirty="0"/>
               <a:t>Post-compliance compliance scan</a:t>
+            </a:r>
+          </a:p>
+          <a:p>
+            <a:pPr lvl="0" algn="ctr"/>
+            <a:r>
+              <a:rPr lang="en-US" sz="1000" dirty="0"/>
+              <a:t>(</a:t>
+            </a:r>
+            <a:r>
+              <a:rPr lang="en-US" sz="1000" dirty="0" err="1"/>
+              <a:t>ScoutSuite</a:t>
+            </a:r>
+            <a:r>
+              <a:rPr lang="en-US" sz="1000" dirty="0"/>
+              <a:t>)</a:t>
             </a:r>
           </a:p>
         </p:txBody>
